--- a/SEMINAR-IT-SICHERHEIT/Präsi/Praesentation_Voskobojnikov_Swiers.pptx
+++ b/SEMINAR-IT-SICHERHEIT/Präsi/Praesentation_Voskobojnikov_Swiers.pptx
@@ -4,25 +4,27 @@
   <p:sldMasterIdLst>
     <p:sldMasterId id="2147483660" r:id="rId1"/>
   </p:sldMasterIdLst>
+  <p:notesMasterIdLst>
+    <p:notesMasterId r:id="rId19"/>
+  </p:notesMasterIdLst>
   <p:sldIdLst>
     <p:sldId id="256" r:id="rId2"/>
     <p:sldId id="257" r:id="rId3"/>
     <p:sldId id="258" r:id="rId4"/>
     <p:sldId id="261" r:id="rId5"/>
-    <p:sldId id="262" r:id="rId6"/>
-    <p:sldId id="263" r:id="rId7"/>
-    <p:sldId id="264" r:id="rId8"/>
-    <p:sldId id="265" r:id="rId9"/>
-    <p:sldId id="266" r:id="rId10"/>
-    <p:sldId id="267" r:id="rId11"/>
-    <p:sldId id="268" r:id="rId12"/>
-    <p:sldId id="269" r:id="rId13"/>
-    <p:sldId id="270" r:id="rId14"/>
-    <p:sldId id="271" r:id="rId15"/>
-    <p:sldId id="272" r:id="rId16"/>
-    <p:sldId id="273" r:id="rId17"/>
-    <p:sldId id="260" r:id="rId18"/>
-    <p:sldId id="259" r:id="rId19"/>
+    <p:sldId id="263" r:id="rId6"/>
+    <p:sldId id="264" r:id="rId7"/>
+    <p:sldId id="265" r:id="rId8"/>
+    <p:sldId id="266" r:id="rId9"/>
+    <p:sldId id="267" r:id="rId10"/>
+    <p:sldId id="268" r:id="rId11"/>
+    <p:sldId id="269" r:id="rId12"/>
+    <p:sldId id="270" r:id="rId13"/>
+    <p:sldId id="271" r:id="rId14"/>
+    <p:sldId id="272" r:id="rId15"/>
+    <p:sldId id="273" r:id="rId16"/>
+    <p:sldId id="260" r:id="rId17"/>
+    <p:sldId id="259" r:id="rId18"/>
   </p:sldIdLst>
   <p:sldSz cx="9144000" cy="6858000" type="screen4x3"/>
   <p:notesSz cx="6858000" cy="9144000"/>
@@ -122,6 +124,607 @@
     </a:lvl9pPr>
   </p:defaultTextStyle>
 </p:presentation>
+</file>
+
+<file path=ppt/notesMasters/notesMaster1.xml><?xml version="1.0" encoding="utf-8"?>
+<p:notesMaster xmlns:a="http://schemas.openxmlformats.org/drawingml/2006/main" xmlns:r="http://schemas.openxmlformats.org/officeDocument/2006/relationships" xmlns:p="http://schemas.openxmlformats.org/presentationml/2006/main">
+  <p:cSld>
+    <p:bg>
+      <p:bgRef idx="1001">
+        <a:schemeClr val="bg1"/>
+      </p:bgRef>
+    </p:bg>
+    <p:spTree>
+      <p:nvGrpSpPr>
+        <p:cNvPr id="1" name=""/>
+        <p:cNvGrpSpPr/>
+        <p:nvPr/>
+      </p:nvGrpSpPr>
+      <p:grpSpPr>
+        <a:xfrm>
+          <a:off x="0" y="0"/>
+          <a:ext cx="0" cy="0"/>
+          <a:chOff x="0" y="0"/>
+          <a:chExt cx="0" cy="0"/>
+        </a:xfrm>
+      </p:grpSpPr>
+      <p:sp>
+        <p:nvSpPr>
+          <p:cNvPr id="2" name="Kopfzeilenplatzhalter 1"/>
+          <p:cNvSpPr>
+            <a:spLocks noGrp="1"/>
+          </p:cNvSpPr>
+          <p:nvPr>
+            <p:ph type="hdr" sz="quarter"/>
+          </p:nvPr>
+        </p:nvSpPr>
+        <p:spPr>
+          <a:xfrm>
+            <a:off x="0" y="0"/>
+            <a:ext cx="2971800" cy="457200"/>
+          </a:xfrm>
+          <a:prstGeom prst="rect">
+            <a:avLst/>
+          </a:prstGeom>
+        </p:spPr>
+        <p:txBody>
+          <a:bodyPr vert="horz" lIns="91440" tIns="45720" rIns="91440" bIns="45720" rtlCol="0"/>
+          <a:lstStyle>
+            <a:lvl1pPr algn="l">
+              <a:defRPr sz="1200"/>
+            </a:lvl1pPr>
+          </a:lstStyle>
+          <a:p>
+            <a:endParaRPr lang="de-DE"/>
+          </a:p>
+        </p:txBody>
+      </p:sp>
+      <p:sp>
+        <p:nvSpPr>
+          <p:cNvPr id="3" name="Datumsplatzhalter 2"/>
+          <p:cNvSpPr>
+            <a:spLocks noGrp="1"/>
+          </p:cNvSpPr>
+          <p:nvPr>
+            <p:ph type="dt" idx="1"/>
+          </p:nvPr>
+        </p:nvSpPr>
+        <p:spPr>
+          <a:xfrm>
+            <a:off x="3884613" y="0"/>
+            <a:ext cx="2971800" cy="457200"/>
+          </a:xfrm>
+          <a:prstGeom prst="rect">
+            <a:avLst/>
+          </a:prstGeom>
+        </p:spPr>
+        <p:txBody>
+          <a:bodyPr vert="horz" lIns="91440" tIns="45720" rIns="91440" bIns="45720" rtlCol="0"/>
+          <a:lstStyle>
+            <a:lvl1pPr algn="r">
+              <a:defRPr sz="1200"/>
+            </a:lvl1pPr>
+          </a:lstStyle>
+          <a:p>
+            <a:fld id="{5B0D2A7E-4974-4D85-BA47-28831685B59B}" type="datetimeFigureOut">
+              <a:rPr lang="de-DE" smtClean="0"/>
+              <a:t>21.07.2015</a:t>
+            </a:fld>
+            <a:endParaRPr lang="de-DE"/>
+          </a:p>
+        </p:txBody>
+      </p:sp>
+      <p:sp>
+        <p:nvSpPr>
+          <p:cNvPr id="4" name="Folienbildplatzhalter 3"/>
+          <p:cNvSpPr>
+            <a:spLocks noGrp="1" noRot="1" noChangeAspect="1"/>
+          </p:cNvSpPr>
+          <p:nvPr>
+            <p:ph type="sldImg" idx="2"/>
+          </p:nvPr>
+        </p:nvSpPr>
+        <p:spPr>
+          <a:xfrm>
+            <a:off x="1143000" y="685800"/>
+            <a:ext cx="4572000" cy="3429000"/>
+          </a:xfrm>
+          <a:prstGeom prst="rect">
+            <a:avLst/>
+          </a:prstGeom>
+          <a:noFill/>
+          <a:ln w="12700">
+            <a:solidFill>
+              <a:prstClr val="black"/>
+            </a:solidFill>
+          </a:ln>
+        </p:spPr>
+        <p:txBody>
+          <a:bodyPr vert="horz" lIns="91440" tIns="45720" rIns="91440" bIns="45720" rtlCol="0" anchor="ctr"/>
+          <a:lstStyle/>
+          <a:p>
+            <a:endParaRPr lang="de-DE"/>
+          </a:p>
+        </p:txBody>
+      </p:sp>
+      <p:sp>
+        <p:nvSpPr>
+          <p:cNvPr id="5" name="Notizenplatzhalter 4"/>
+          <p:cNvSpPr>
+            <a:spLocks noGrp="1"/>
+          </p:cNvSpPr>
+          <p:nvPr>
+            <p:ph type="body" sz="quarter" idx="3"/>
+          </p:nvPr>
+        </p:nvSpPr>
+        <p:spPr>
+          <a:xfrm>
+            <a:off x="685800" y="4343400"/>
+            <a:ext cx="5486400" cy="4114800"/>
+          </a:xfrm>
+          <a:prstGeom prst="rect">
+            <a:avLst/>
+          </a:prstGeom>
+        </p:spPr>
+        <p:txBody>
+          <a:bodyPr vert="horz" lIns="91440" tIns="45720" rIns="91440" bIns="45720" rtlCol="0"/>
+          <a:lstStyle/>
+          <a:p>
+            <a:pPr lvl="0"/>
+            <a:r>
+              <a:rPr lang="de-DE" smtClean="0"/>
+              <a:t>Textmasterformat bearbeiten</a:t>
+            </a:r>
+          </a:p>
+          <a:p>
+            <a:pPr lvl="1"/>
+            <a:r>
+              <a:rPr lang="de-DE" smtClean="0"/>
+              <a:t>Zweite Ebene</a:t>
+            </a:r>
+          </a:p>
+          <a:p>
+            <a:pPr lvl="2"/>
+            <a:r>
+              <a:rPr lang="de-DE" smtClean="0"/>
+              <a:t>Dritte Ebene</a:t>
+            </a:r>
+          </a:p>
+          <a:p>
+            <a:pPr lvl="3"/>
+            <a:r>
+              <a:rPr lang="de-DE" smtClean="0"/>
+              <a:t>Vierte Ebene</a:t>
+            </a:r>
+          </a:p>
+          <a:p>
+            <a:pPr lvl="4"/>
+            <a:r>
+              <a:rPr lang="de-DE" smtClean="0"/>
+              <a:t>Fünfte Ebene</a:t>
+            </a:r>
+            <a:endParaRPr lang="de-DE"/>
+          </a:p>
+        </p:txBody>
+      </p:sp>
+      <p:sp>
+        <p:nvSpPr>
+          <p:cNvPr id="6" name="Fußzeilenplatzhalter 5"/>
+          <p:cNvSpPr>
+            <a:spLocks noGrp="1"/>
+          </p:cNvSpPr>
+          <p:nvPr>
+            <p:ph type="ftr" sz="quarter" idx="4"/>
+          </p:nvPr>
+        </p:nvSpPr>
+        <p:spPr>
+          <a:xfrm>
+            <a:off x="0" y="8685213"/>
+            <a:ext cx="2971800" cy="457200"/>
+          </a:xfrm>
+          <a:prstGeom prst="rect">
+            <a:avLst/>
+          </a:prstGeom>
+        </p:spPr>
+        <p:txBody>
+          <a:bodyPr vert="horz" lIns="91440" tIns="45720" rIns="91440" bIns="45720" rtlCol="0" anchor="b"/>
+          <a:lstStyle>
+            <a:lvl1pPr algn="l">
+              <a:defRPr sz="1200"/>
+            </a:lvl1pPr>
+          </a:lstStyle>
+          <a:p>
+            <a:endParaRPr lang="de-DE"/>
+          </a:p>
+        </p:txBody>
+      </p:sp>
+      <p:sp>
+        <p:nvSpPr>
+          <p:cNvPr id="7" name="Foliennummernplatzhalter 6"/>
+          <p:cNvSpPr>
+            <a:spLocks noGrp="1"/>
+          </p:cNvSpPr>
+          <p:nvPr>
+            <p:ph type="sldNum" sz="quarter" idx="5"/>
+          </p:nvPr>
+        </p:nvSpPr>
+        <p:spPr>
+          <a:xfrm>
+            <a:off x="3884613" y="8685213"/>
+            <a:ext cx="2971800" cy="457200"/>
+          </a:xfrm>
+          <a:prstGeom prst="rect">
+            <a:avLst/>
+          </a:prstGeom>
+        </p:spPr>
+        <p:txBody>
+          <a:bodyPr vert="horz" lIns="91440" tIns="45720" rIns="91440" bIns="45720" rtlCol="0" anchor="b"/>
+          <a:lstStyle>
+            <a:lvl1pPr algn="r">
+              <a:defRPr sz="1200"/>
+            </a:lvl1pPr>
+          </a:lstStyle>
+          <a:p>
+            <a:fld id="{C56C59C2-1D94-45D7-82CC-D928090A88D7}" type="slidenum">
+              <a:rPr lang="de-DE" smtClean="0"/>
+              <a:t>‹Nr.›</a:t>
+            </a:fld>
+            <a:endParaRPr lang="de-DE"/>
+          </a:p>
+        </p:txBody>
+      </p:sp>
+    </p:spTree>
+    <p:extLst>
+      <p:ext uri="{BB962C8B-B14F-4D97-AF65-F5344CB8AC3E}">
+        <p14:creationId xmlns:p14="http://schemas.microsoft.com/office/powerpoint/2010/main" val="554549357"/>
+      </p:ext>
+    </p:extLst>
+  </p:cSld>
+  <p:clrMap bg1="lt1" tx1="dk1" bg2="lt2" tx2="dk2" accent1="accent1" accent2="accent2" accent3="accent3" accent4="accent4" accent5="accent5" accent6="accent6" hlink="hlink" folHlink="folHlink"/>
+  <p:notesStyle>
+    <a:lvl1pPr marL="0" algn="l" defTabSz="914400" rtl="0" eaLnBrk="1" latinLnBrk="0" hangingPunct="1">
+      <a:defRPr sz="1200" kern="1200">
+        <a:solidFill>
+          <a:schemeClr val="tx1"/>
+        </a:solidFill>
+        <a:latin typeface="+mn-lt"/>
+        <a:ea typeface="+mn-ea"/>
+        <a:cs typeface="+mn-cs"/>
+      </a:defRPr>
+    </a:lvl1pPr>
+    <a:lvl2pPr marL="457200" algn="l" defTabSz="914400" rtl="0" eaLnBrk="1" latinLnBrk="0" hangingPunct="1">
+      <a:defRPr sz="1200" kern="1200">
+        <a:solidFill>
+          <a:schemeClr val="tx1"/>
+        </a:solidFill>
+        <a:latin typeface="+mn-lt"/>
+        <a:ea typeface="+mn-ea"/>
+        <a:cs typeface="+mn-cs"/>
+      </a:defRPr>
+    </a:lvl2pPr>
+    <a:lvl3pPr marL="914400" algn="l" defTabSz="914400" rtl="0" eaLnBrk="1" latinLnBrk="0" hangingPunct="1">
+      <a:defRPr sz="1200" kern="1200">
+        <a:solidFill>
+          <a:schemeClr val="tx1"/>
+        </a:solidFill>
+        <a:latin typeface="+mn-lt"/>
+        <a:ea typeface="+mn-ea"/>
+        <a:cs typeface="+mn-cs"/>
+      </a:defRPr>
+    </a:lvl3pPr>
+    <a:lvl4pPr marL="1371600" algn="l" defTabSz="914400" rtl="0" eaLnBrk="1" latinLnBrk="0" hangingPunct="1">
+      <a:defRPr sz="1200" kern="1200">
+        <a:solidFill>
+          <a:schemeClr val="tx1"/>
+        </a:solidFill>
+        <a:latin typeface="+mn-lt"/>
+        <a:ea typeface="+mn-ea"/>
+        <a:cs typeface="+mn-cs"/>
+      </a:defRPr>
+    </a:lvl4pPr>
+    <a:lvl5pPr marL="1828800" algn="l" defTabSz="914400" rtl="0" eaLnBrk="1" latinLnBrk="0" hangingPunct="1">
+      <a:defRPr sz="1200" kern="1200">
+        <a:solidFill>
+          <a:schemeClr val="tx1"/>
+        </a:solidFill>
+        <a:latin typeface="+mn-lt"/>
+        <a:ea typeface="+mn-ea"/>
+        <a:cs typeface="+mn-cs"/>
+      </a:defRPr>
+    </a:lvl5pPr>
+    <a:lvl6pPr marL="2286000" algn="l" defTabSz="914400" rtl="0" eaLnBrk="1" latinLnBrk="0" hangingPunct="1">
+      <a:defRPr sz="1200" kern="1200">
+        <a:solidFill>
+          <a:schemeClr val="tx1"/>
+        </a:solidFill>
+        <a:latin typeface="+mn-lt"/>
+        <a:ea typeface="+mn-ea"/>
+        <a:cs typeface="+mn-cs"/>
+      </a:defRPr>
+    </a:lvl6pPr>
+    <a:lvl7pPr marL="2743200" algn="l" defTabSz="914400" rtl="0" eaLnBrk="1" latinLnBrk="0" hangingPunct="1">
+      <a:defRPr sz="1200" kern="1200">
+        <a:solidFill>
+          <a:schemeClr val="tx1"/>
+        </a:solidFill>
+        <a:latin typeface="+mn-lt"/>
+        <a:ea typeface="+mn-ea"/>
+        <a:cs typeface="+mn-cs"/>
+      </a:defRPr>
+    </a:lvl7pPr>
+    <a:lvl8pPr marL="3200400" algn="l" defTabSz="914400" rtl="0" eaLnBrk="1" latinLnBrk="0" hangingPunct="1">
+      <a:defRPr sz="1200" kern="1200">
+        <a:solidFill>
+          <a:schemeClr val="tx1"/>
+        </a:solidFill>
+        <a:latin typeface="+mn-lt"/>
+        <a:ea typeface="+mn-ea"/>
+        <a:cs typeface="+mn-cs"/>
+      </a:defRPr>
+    </a:lvl8pPr>
+    <a:lvl9pPr marL="3657600" algn="l" defTabSz="914400" rtl="0" eaLnBrk="1" latinLnBrk="0" hangingPunct="1">
+      <a:defRPr sz="1200" kern="1200">
+        <a:solidFill>
+          <a:schemeClr val="tx1"/>
+        </a:solidFill>
+        <a:latin typeface="+mn-lt"/>
+        <a:ea typeface="+mn-ea"/>
+        <a:cs typeface="+mn-cs"/>
+      </a:defRPr>
+    </a:lvl9pPr>
+  </p:notesStyle>
+</p:notesMaster>
+</file>
+
+<file path=ppt/notesSlides/notesSlide1.xml><?xml version="1.0" encoding="utf-8"?>
+<p:notes xmlns:a="http://schemas.openxmlformats.org/drawingml/2006/main" xmlns:r="http://schemas.openxmlformats.org/officeDocument/2006/relationships" xmlns:p="http://schemas.openxmlformats.org/presentationml/2006/main">
+  <p:cSld>
+    <p:spTree>
+      <p:nvGrpSpPr>
+        <p:cNvPr id="1" name=""/>
+        <p:cNvGrpSpPr/>
+        <p:nvPr/>
+      </p:nvGrpSpPr>
+      <p:grpSpPr>
+        <a:xfrm>
+          <a:off x="0" y="0"/>
+          <a:ext cx="0" cy="0"/>
+          <a:chOff x="0" y="0"/>
+          <a:chExt cx="0" cy="0"/>
+        </a:xfrm>
+      </p:grpSpPr>
+      <p:sp>
+        <p:nvSpPr>
+          <p:cNvPr id="2" name="Folienbildplatzhalter 1"/>
+          <p:cNvSpPr>
+            <a:spLocks noGrp="1" noRot="1" noChangeAspect="1"/>
+          </p:cNvSpPr>
+          <p:nvPr>
+            <p:ph type="sldImg"/>
+          </p:nvPr>
+        </p:nvSpPr>
+        <p:spPr/>
+      </p:sp>
+      <p:sp>
+        <p:nvSpPr>
+          <p:cNvPr id="3" name="Notizenplatzhalter 2"/>
+          <p:cNvSpPr>
+            <a:spLocks noGrp="1"/>
+          </p:cNvSpPr>
+          <p:nvPr>
+            <p:ph type="body" idx="1"/>
+          </p:nvPr>
+        </p:nvSpPr>
+        <p:spPr/>
+        <p:txBody>
+          <a:bodyPr/>
+          <a:lstStyle/>
+          <a:p>
+            <a:pPr marL="184150" lvl="0" indent="-285750">
+              <a:buFont typeface="Arial" pitchFamily="34" charset="0"/>
+              <a:buChar char="•"/>
+            </a:pPr>
+            <a:r>
+              <a:rPr lang="de-DE" b="1" dirty="0" err="1" smtClean="0"/>
+              <a:t>Ubiquitous</a:t>
+            </a:r>
+            <a:r>
+              <a:rPr lang="de-DE" b="1" dirty="0" smtClean="0"/>
+              <a:t> </a:t>
+            </a:r>
+            <a:r>
+              <a:rPr lang="de-DE" b="1" dirty="0" err="1" smtClean="0"/>
+              <a:t>Computin</a:t>
+            </a:r>
+            <a:r>
+              <a:rPr lang="de-DE" b="1" dirty="0" smtClean="0"/>
+              <a:t>: </a:t>
+            </a:r>
+            <a:r>
+              <a:rPr lang="de-DE" dirty="0" smtClean="0"/>
+              <a:t>Alltagsgegenstände : </a:t>
+            </a:r>
+          </a:p>
+          <a:p>
+            <a:pPr marL="1009650" lvl="2" indent="-285750">
+              <a:buFont typeface="Symbol" pitchFamily="18" charset="2"/>
+              <a:buChar char="-"/>
+            </a:pPr>
+            <a:r>
+              <a:rPr lang="de-DE" dirty="0" smtClean="0"/>
+              <a:t>Erhalten eigene Rechenleistung, Sensorik und </a:t>
+            </a:r>
+            <a:r>
+              <a:rPr lang="de-DE" dirty="0" err="1" smtClean="0"/>
+              <a:t>Aktorik</a:t>
+            </a:r>
+            <a:endParaRPr lang="de-DE" dirty="0" smtClean="0"/>
+          </a:p>
+          <a:p>
+            <a:pPr marL="1009650" lvl="2" indent="-285750">
+              <a:buFont typeface="Symbol" pitchFamily="18" charset="2"/>
+              <a:buChar char="-"/>
+            </a:pPr>
+            <a:r>
+              <a:rPr lang="de-DE" dirty="0" smtClean="0"/>
+              <a:t>Sind vernetzt</a:t>
+            </a:r>
+          </a:p>
+          <a:p>
+            <a:r>
+              <a:rPr lang="de-DE" b="1" dirty="0" smtClean="0"/>
+              <a:t>- </a:t>
+            </a:r>
+            <a:r>
+              <a:rPr lang="de-DE" sz="1200" b="0" i="0" u="none" strike="noStrike" kern="1200" baseline="0" dirty="0" smtClean="0">
+                <a:solidFill>
+                  <a:schemeClr val="tx1"/>
+                </a:solidFill>
+                <a:latin typeface="+mn-lt"/>
+                <a:ea typeface="+mn-ea"/>
+                <a:cs typeface="+mn-cs"/>
+              </a:rPr>
+              <a:t>in der Lage ihren Zustand oder Umgebung zu erfassen, zu übertragen, auszuwerten</a:t>
+            </a:r>
+          </a:p>
+          <a:p>
+            <a:r>
+              <a:rPr lang="de-DE" sz="1200" b="0" i="0" u="none" strike="noStrike" kern="1200" baseline="0" dirty="0" smtClean="0">
+                <a:solidFill>
+                  <a:schemeClr val="tx1"/>
+                </a:solidFill>
+                <a:latin typeface="+mn-lt"/>
+                <a:ea typeface="+mn-ea"/>
+                <a:cs typeface="+mn-cs"/>
+              </a:rPr>
+              <a:t>sowie mit anderen Kommunikationspartnern auszutauschen</a:t>
+            </a:r>
+            <a:endParaRPr lang="de-DE" dirty="0"/>
+          </a:p>
+        </p:txBody>
+      </p:sp>
+      <p:sp>
+        <p:nvSpPr>
+          <p:cNvPr id="4" name="Foliennummernplatzhalter 3"/>
+          <p:cNvSpPr>
+            <a:spLocks noGrp="1"/>
+          </p:cNvSpPr>
+          <p:nvPr>
+            <p:ph type="sldNum" sz="quarter" idx="10"/>
+          </p:nvPr>
+        </p:nvSpPr>
+        <p:spPr/>
+        <p:txBody>
+          <a:bodyPr/>
+          <a:lstStyle/>
+          <a:p>
+            <a:fld id="{C56C59C2-1D94-45D7-82CC-D928090A88D7}" type="slidenum">
+              <a:rPr lang="de-DE" smtClean="0"/>
+              <a:t>3</a:t>
+            </a:fld>
+            <a:endParaRPr lang="de-DE"/>
+          </a:p>
+        </p:txBody>
+      </p:sp>
+    </p:spTree>
+    <p:extLst>
+      <p:ext uri="{BB962C8B-B14F-4D97-AF65-F5344CB8AC3E}">
+        <p14:creationId xmlns:p14="http://schemas.microsoft.com/office/powerpoint/2010/main" val="3581210475"/>
+      </p:ext>
+    </p:extLst>
+  </p:cSld>
+  <p:clrMapOvr>
+    <a:masterClrMapping/>
+  </p:clrMapOvr>
+</p:notes>
+</file>
+
+<file path=ppt/notesSlides/notesSlide2.xml><?xml version="1.0" encoding="utf-8"?>
+<p:notes xmlns:a="http://schemas.openxmlformats.org/drawingml/2006/main" xmlns:r="http://schemas.openxmlformats.org/officeDocument/2006/relationships" xmlns:p="http://schemas.openxmlformats.org/presentationml/2006/main">
+  <p:cSld>
+    <p:spTree>
+      <p:nvGrpSpPr>
+        <p:cNvPr id="1" name=""/>
+        <p:cNvGrpSpPr/>
+        <p:nvPr/>
+      </p:nvGrpSpPr>
+      <p:grpSpPr>
+        <a:xfrm>
+          <a:off x="0" y="0"/>
+          <a:ext cx="0" cy="0"/>
+          <a:chOff x="0" y="0"/>
+          <a:chExt cx="0" cy="0"/>
+        </a:xfrm>
+      </p:grpSpPr>
+      <p:sp>
+        <p:nvSpPr>
+          <p:cNvPr id="2" name="Folienbildplatzhalter 1"/>
+          <p:cNvSpPr>
+            <a:spLocks noGrp="1" noRot="1" noChangeAspect="1"/>
+          </p:cNvSpPr>
+          <p:nvPr>
+            <p:ph type="sldImg"/>
+          </p:nvPr>
+        </p:nvSpPr>
+        <p:spPr/>
+      </p:sp>
+      <p:sp>
+        <p:nvSpPr>
+          <p:cNvPr id="3" name="Notizenplatzhalter 2"/>
+          <p:cNvSpPr>
+            <a:spLocks noGrp="1"/>
+          </p:cNvSpPr>
+          <p:nvPr>
+            <p:ph type="body" idx="1"/>
+          </p:nvPr>
+        </p:nvSpPr>
+        <p:spPr/>
+        <p:txBody>
+          <a:bodyPr/>
+          <a:lstStyle/>
+          <a:p>
+            <a:r>
+              <a:rPr lang="de-DE" dirty="0" smtClean="0"/>
+              <a:t>2020…Artikel aus dem Jahre 2013</a:t>
+            </a:r>
+            <a:endParaRPr lang="de-DE" dirty="0"/>
+          </a:p>
+        </p:txBody>
+      </p:sp>
+      <p:sp>
+        <p:nvSpPr>
+          <p:cNvPr id="4" name="Foliennummernplatzhalter 3"/>
+          <p:cNvSpPr>
+            <a:spLocks noGrp="1"/>
+          </p:cNvSpPr>
+          <p:nvPr>
+            <p:ph type="sldNum" sz="quarter" idx="10"/>
+          </p:nvPr>
+        </p:nvSpPr>
+        <p:spPr/>
+        <p:txBody>
+          <a:bodyPr/>
+          <a:lstStyle/>
+          <a:p>
+            <a:fld id="{C56C59C2-1D94-45D7-82CC-D928090A88D7}" type="slidenum">
+              <a:rPr lang="de-DE" smtClean="0"/>
+              <a:t>4</a:t>
+            </a:fld>
+            <a:endParaRPr lang="de-DE"/>
+          </a:p>
+        </p:txBody>
+      </p:sp>
+    </p:spTree>
+    <p:extLst>
+      <p:ext uri="{BB962C8B-B14F-4D97-AF65-F5344CB8AC3E}">
+        <p14:creationId xmlns:p14="http://schemas.microsoft.com/office/powerpoint/2010/main" val="1270997638"/>
+      </p:ext>
+    </p:extLst>
+  </p:cSld>
+  <p:clrMapOvr>
+    <a:masterClrMapping/>
+  </p:clrMapOvr>
+</p:notes>
 </file>
 
 <file path=ppt/slideLayouts/slideLayout1.xml><?xml version="1.0" encoding="utf-8"?>
@@ -3416,7 +4019,7 @@
           <a:p>
             <a:r>
               <a:rPr lang="de-DE" dirty="0" smtClean="0"/>
-              <a:t>5) Datenschutz/ Privatsphäre </a:t>
+              <a:t>6) Unsichere Cloud-Schnittstellen </a:t>
             </a:r>
             <a:endParaRPr lang="de-DE" dirty="0"/>
           </a:p>
@@ -3500,7 +4103,7 @@
           <a:p>
             <a:r>
               <a:rPr lang="de-DE" dirty="0" smtClean="0"/>
-              <a:t>6) Unsichere Cloud-Schnittstellen </a:t>
+              <a:t>7) Unsichere Mobile-Interfaces</a:t>
             </a:r>
             <a:endParaRPr lang="de-DE" dirty="0"/>
           </a:p>
@@ -3584,7 +4187,15 @@
           <a:p>
             <a:r>
               <a:rPr lang="de-DE" dirty="0" smtClean="0"/>
-              <a:t>7) Unsichere Mobile-Interfaces</a:t>
+              <a:t>8) Unzureichendes Maß an </a:t>
+            </a:r>
+            <a:r>
+              <a:rPr lang="de-DE" dirty="0" err="1" smtClean="0"/>
+              <a:t>Sicherheitskonfuration</a:t>
+            </a:r>
+            <a:r>
+              <a:rPr lang="de-DE" dirty="0" smtClean="0"/>
+              <a:t> </a:t>
             </a:r>
             <a:endParaRPr lang="de-DE" dirty="0"/>
           </a:p>
@@ -3668,15 +4279,7 @@
           <a:p>
             <a:r>
               <a:rPr lang="de-DE" dirty="0" smtClean="0"/>
-              <a:t>8) Unzureichendes Maß an </a:t>
-            </a:r>
-            <a:r>
-              <a:rPr lang="de-DE" dirty="0" err="1" smtClean="0"/>
-              <a:t>Sicherheitskonfuration</a:t>
-            </a:r>
-            <a:r>
-              <a:rPr lang="de-DE" dirty="0" smtClean="0"/>
-              <a:t> </a:t>
+              <a:t>9) Unsichere Software/ Firmware</a:t>
             </a:r>
             <a:endParaRPr lang="de-DE" dirty="0"/>
           </a:p>
@@ -3760,7 +4363,7 @@
           <a:p>
             <a:r>
               <a:rPr lang="de-DE" dirty="0" smtClean="0"/>
-              <a:t>9) Unsichere Software/ Firmware</a:t>
+              <a:t>10) Mangelnde physikalische Sicherheit</a:t>
             </a:r>
             <a:endParaRPr lang="de-DE" dirty="0"/>
           </a:p>
@@ -3844,7 +4447,7 @@
           <a:p>
             <a:r>
               <a:rPr lang="de-DE" dirty="0" smtClean="0"/>
-              <a:t>10) Mangelnde physikalische Sicherheit</a:t>
+              <a:t>HIER KOMMT ARTE</a:t>
             </a:r>
             <a:endParaRPr lang="de-DE" dirty="0"/>
           </a:p>
@@ -3865,18 +4468,14 @@
           <a:bodyPr/>
           <a:lstStyle/>
           <a:p>
-            <a:pPr marL="285750" indent="-285750">
-              <a:buFont typeface="Arial" pitchFamily="34" charset="0"/>
-              <a:buChar char="•"/>
-            </a:pPr>
-            <a:endParaRPr lang="de-DE" dirty="0"/>
+            <a:endParaRPr lang="de-DE"/>
           </a:p>
         </p:txBody>
       </p:sp>
     </p:spTree>
     <p:extLst>
       <p:ext uri="{BB962C8B-B14F-4D97-AF65-F5344CB8AC3E}">
-        <p14:creationId xmlns:p14="http://schemas.microsoft.com/office/powerpoint/2010/main" val="2529728441"/>
+        <p14:creationId xmlns:p14="http://schemas.microsoft.com/office/powerpoint/2010/main" val="4094143284"/>
       </p:ext>
     </p:extLst>
   </p:cSld>
@@ -3928,45 +4527,172 @@
           <a:p>
             <a:r>
               <a:rPr lang="de-DE" dirty="0" smtClean="0"/>
-              <a:t>HIER KOMMT ARTE</a:t>
+              <a:t>Quellen</a:t>
             </a:r>
             <a:endParaRPr lang="de-DE" dirty="0"/>
           </a:p>
         </p:txBody>
       </p:sp>
-      <p:pic>
-        <p:nvPicPr>
-          <p:cNvPr id="4" name="Inhaltsplatzhalter 3"/>
-          <p:cNvPicPr>
-            <a:picLocks noGrp="1" noChangeAspect="1"/>
-          </p:cNvPicPr>
+      <p:sp>
+        <p:nvSpPr>
+          <p:cNvPr id="3" name="Inhaltsplatzhalter 2"/>
+          <p:cNvSpPr>
+            <a:spLocks noGrp="1"/>
+          </p:cNvSpPr>
           <p:nvPr>
             <p:ph idx="1"/>
           </p:nvPr>
-        </p:nvPicPr>
-        <p:blipFill>
-          <a:blip r:embed="rId2">
-            <a:extLst>
-              <a:ext uri="{28A0092B-C50C-407E-A947-70E740481C1C}">
-                <a14:useLocalDpi xmlns:a14="http://schemas.microsoft.com/office/drawing/2010/main" val="0"/>
-              </a:ext>
-            </a:extLst>
-          </a:blip>
-          <a:stretch>
-            <a:fillRect/>
-          </a:stretch>
-        </p:blipFill>
-        <p:spPr>
-          <a:xfrm>
-            <a:off x="1289291" y="1619250"/>
-            <a:ext cx="6565418" cy="4862513"/>
-          </a:xfrm>
-        </p:spPr>
-      </p:pic>
+        </p:nvSpPr>
+        <p:spPr/>
+        <p:txBody>
+          <a:bodyPr/>
+          <a:lstStyle/>
+          <a:p>
+            <a:pPr marL="285750" indent="-285750">
+              <a:buFont typeface="Arial" pitchFamily="34" charset="0"/>
+              <a:buChar char="•"/>
+            </a:pPr>
+            <a:r>
+              <a:rPr lang="de-DE" dirty="0" smtClean="0"/>
+              <a:t>Open Web </a:t>
+            </a:r>
+            <a:r>
+              <a:rPr lang="de-DE" dirty="0" err="1" smtClean="0"/>
+              <a:t>Application</a:t>
+            </a:r>
+            <a:r>
+              <a:rPr lang="de-DE" dirty="0" smtClean="0"/>
+              <a:t> Security Project (OWASP), </a:t>
+            </a:r>
+            <a:r>
+              <a:rPr lang="en-US" dirty="0"/>
+              <a:t>OWASP Internet of Things Top </a:t>
+            </a:r>
+            <a:r>
+              <a:rPr lang="en-US" dirty="0" smtClean="0"/>
+              <a:t>10, 2014, Online </a:t>
+            </a:r>
+            <a:r>
+              <a:rPr lang="en-US" dirty="0" err="1" smtClean="0"/>
+              <a:t>unter</a:t>
+            </a:r>
+            <a:r>
+              <a:rPr lang="en-US" dirty="0"/>
+              <a:t> URL: </a:t>
+            </a:r>
+            <a:r>
+              <a:rPr lang="en-US" dirty="0">
+                <a:hlinkClick r:id="rId2"/>
+              </a:rPr>
+              <a:t>https://</a:t>
+            </a:r>
+            <a:r>
+              <a:rPr lang="en-US" dirty="0" smtClean="0">
+                <a:hlinkClick r:id="rId2"/>
+              </a:rPr>
+              <a:t>drive.google.com/file/d/0B52IUvO0LP6ON2 VzZVFkNGF6aVE/</a:t>
+            </a:r>
+            <a:r>
+              <a:rPr lang="en-US" dirty="0" err="1" smtClean="0">
+                <a:hlinkClick r:id="rId2"/>
+              </a:rPr>
+              <a:t>view?pli</a:t>
+            </a:r>
+            <a:r>
+              <a:rPr lang="en-US" dirty="0" smtClean="0">
+                <a:hlinkClick r:id="rId2"/>
+              </a:rPr>
+              <a:t>=1</a:t>
+            </a:r>
+            <a:endParaRPr lang="en-US" dirty="0" smtClean="0"/>
+          </a:p>
+          <a:p>
+            <a:pPr marL="285750" indent="-285750">
+              <a:buFont typeface="Arial" pitchFamily="34" charset="0"/>
+              <a:buChar char="•"/>
+            </a:pPr>
+            <a:r>
+              <a:rPr lang="de-DE" dirty="0" smtClean="0"/>
+              <a:t>E</a:t>
+            </a:r>
+            <a:r>
+              <a:rPr lang="de-DE" dirty="0"/>
+              <a:t>. </a:t>
+            </a:r>
+            <a:r>
+              <a:rPr lang="de-DE" dirty="0" err="1"/>
+              <a:t>Eppinger</a:t>
+            </a:r>
+            <a:r>
+              <a:rPr lang="de-DE" dirty="0"/>
+              <a:t> et al. (Hrsg.), Dienstleistungspotenziale und </a:t>
+            </a:r>
+            <a:r>
+              <a:rPr lang="de-DE" dirty="0" smtClean="0"/>
+              <a:t>Geschäftsmodelle in </a:t>
+            </a:r>
+            <a:r>
+              <a:rPr lang="de-DE" dirty="0"/>
+              <a:t>der Personalisierten </a:t>
+            </a:r>
+            <a:r>
+              <a:rPr lang="de-DE" dirty="0" smtClean="0"/>
+              <a:t>Medizin, © </a:t>
+            </a:r>
+            <a:r>
+              <a:rPr lang="de-DE" dirty="0"/>
+              <a:t>Springer </a:t>
+            </a:r>
+            <a:r>
+              <a:rPr lang="de-DE" dirty="0" smtClean="0"/>
+              <a:t>Fachmedien, Wiesbaden, </a:t>
+            </a:r>
+            <a:r>
+              <a:rPr lang="de-DE" dirty="0"/>
+              <a:t>2015</a:t>
+            </a:r>
+            <a:endParaRPr lang="en-US" dirty="0" smtClean="0"/>
+          </a:p>
+          <a:p>
+            <a:pPr marL="285750" indent="-285750">
+              <a:buFont typeface="Arial" pitchFamily="34" charset="0"/>
+              <a:buChar char="•"/>
+            </a:pPr>
+            <a:r>
+              <a:rPr lang="de-DE" dirty="0"/>
+              <a:t>R. Watson, 50 Schlüsselideen der </a:t>
+            </a:r>
+            <a:r>
+              <a:rPr lang="de-DE" dirty="0" smtClean="0"/>
+              <a:t>Zukunft, © </a:t>
+            </a:r>
+            <a:r>
+              <a:rPr lang="de-DE" dirty="0"/>
+              <a:t>Springer-Verlag Berlin </a:t>
+            </a:r>
+            <a:r>
+              <a:rPr lang="de-DE" dirty="0" smtClean="0"/>
+              <a:t>Heidelberg, </a:t>
+            </a:r>
+            <a:r>
+              <a:rPr lang="de-DE" dirty="0"/>
+              <a:t>2014</a:t>
+            </a:r>
+            <a:endParaRPr lang="en-US" dirty="0" smtClean="0"/>
+          </a:p>
+          <a:p>
+            <a:pPr marL="285750" indent="-285750">
+              <a:buFont typeface="Arial" pitchFamily="34" charset="0"/>
+              <a:buChar char="•"/>
+            </a:pPr>
+            <a:endParaRPr lang="de-DE" dirty="0"/>
+          </a:p>
+        </p:txBody>
+      </p:sp>
     </p:spTree>
     <p:extLst>
       <p:ext uri="{BB962C8B-B14F-4D97-AF65-F5344CB8AC3E}">
-        <p14:creationId xmlns:p14="http://schemas.microsoft.com/office/powerpoint/2010/main" val="4094143284"/>
+        <p14:creationId xmlns:p14="http://schemas.microsoft.com/office/powerpoint/2010/main" val="3016004080"/>
       </p:ext>
     </p:extLst>
   </p:cSld>
@@ -4018,86 +4744,6 @@
           <a:p>
             <a:r>
               <a:rPr lang="de-DE" dirty="0" smtClean="0"/>
-              <a:t>Quellen</a:t>
-            </a:r>
-            <a:endParaRPr lang="de-DE" dirty="0"/>
-          </a:p>
-        </p:txBody>
-      </p:sp>
-      <p:sp>
-        <p:nvSpPr>
-          <p:cNvPr id="3" name="Inhaltsplatzhalter 2"/>
-          <p:cNvSpPr>
-            <a:spLocks noGrp="1"/>
-          </p:cNvSpPr>
-          <p:nvPr>
-            <p:ph idx="1"/>
-          </p:nvPr>
-        </p:nvSpPr>
-        <p:spPr/>
-        <p:txBody>
-          <a:bodyPr/>
-          <a:lstStyle/>
-          <a:p>
-            <a:endParaRPr lang="de-DE" dirty="0"/>
-          </a:p>
-        </p:txBody>
-      </p:sp>
-    </p:spTree>
-    <p:extLst>
-      <p:ext uri="{BB962C8B-B14F-4D97-AF65-F5344CB8AC3E}">
-        <p14:creationId xmlns:p14="http://schemas.microsoft.com/office/powerpoint/2010/main" val="3016004080"/>
-      </p:ext>
-    </p:extLst>
-  </p:cSld>
-  <p:clrMapOvr>
-    <a:masterClrMapping/>
-  </p:clrMapOvr>
-  <p:transition spd="slow"/>
-  <p:timing>
-    <p:tnLst>
-      <p:par>
-        <p:cTn id="1" dur="indefinite" restart="never" nodeType="tmRoot"/>
-      </p:par>
-    </p:tnLst>
-  </p:timing>
-</p:sld>
-</file>
-
-<file path=ppt/slides/slide18.xml><?xml version="1.0" encoding="utf-8"?>
-<p:sld xmlns:a="http://schemas.openxmlformats.org/drawingml/2006/main" xmlns:r="http://schemas.openxmlformats.org/officeDocument/2006/relationships" xmlns:p="http://schemas.openxmlformats.org/presentationml/2006/main">
-  <p:cSld>
-    <p:spTree>
-      <p:nvGrpSpPr>
-        <p:cNvPr id="1" name=""/>
-        <p:cNvGrpSpPr/>
-        <p:nvPr/>
-      </p:nvGrpSpPr>
-      <p:grpSpPr>
-        <a:xfrm>
-          <a:off x="0" y="0"/>
-          <a:ext cx="0" cy="0"/>
-          <a:chOff x="0" y="0"/>
-          <a:chExt cx="0" cy="0"/>
-        </a:xfrm>
-      </p:grpSpPr>
-      <p:sp>
-        <p:nvSpPr>
-          <p:cNvPr id="2" name="Titel 1"/>
-          <p:cNvSpPr>
-            <a:spLocks noGrp="1"/>
-          </p:cNvSpPr>
-          <p:nvPr>
-            <p:ph type="title"/>
-          </p:nvPr>
-        </p:nvSpPr>
-        <p:spPr/>
-        <p:txBody>
-          <a:bodyPr/>
-          <a:lstStyle/>
-          <a:p>
-            <a:r>
-              <a:rPr lang="de-DE" dirty="0" smtClean="0"/>
               <a:t>Quellen - Bilder</a:t>
             </a:r>
             <a:endParaRPr lang="de-DE" dirty="0"/>
@@ -4127,8 +4773,73 @@
               <a:rPr lang="de-DE" dirty="0" smtClean="0">
                 <a:hlinkClick r:id="rId2"/>
               </a:rPr>
-              <a:t>http://www.n-droid.de/wp-content/uploads/2015/01/Internet-der-Dinge.png</a:t>
-            </a:r>
+              <a:t>http://</a:t>
+            </a:r>
+            <a:r>
+              <a:rPr lang="de-DE" dirty="0" smtClean="0">
+                <a:hlinkClick r:id="rId2"/>
+              </a:rPr>
+              <a:t>www.n-droid.de/wp-content/uploads/2015/01/Internet-der-Dinge.png</a:t>
+            </a:r>
+            <a:endParaRPr lang="de-DE" dirty="0" smtClean="0"/>
+          </a:p>
+          <a:p>
+            <a:pPr marL="285750" indent="-285750">
+              <a:buFont typeface="Arial" pitchFamily="34" charset="0"/>
+              <a:buChar char="•"/>
+            </a:pPr>
+            <a:r>
+              <a:rPr lang="de-DE" dirty="0">
+                <a:hlinkClick r:id="rId3"/>
+              </a:rPr>
+              <a:t>http://</a:t>
+            </a:r>
+            <a:r>
+              <a:rPr lang="de-DE" dirty="0" smtClean="0">
+                <a:hlinkClick r:id="rId3"/>
+              </a:rPr>
+              <a:t>www.heise.de/newsticker/meldung/Vaillant-Heizungen-mit-Sicherheits-Leck-1840919.html</a:t>
+            </a:r>
+            <a:endParaRPr lang="de-DE" dirty="0" smtClean="0"/>
+          </a:p>
+          <a:p>
+            <a:pPr marL="285750" indent="-285750">
+              <a:buFont typeface="Arial" pitchFamily="34" charset="0"/>
+              <a:buChar char="•"/>
+            </a:pPr>
+            <a:r>
+              <a:rPr lang="de-DE" dirty="0">
+                <a:hlinkClick r:id="rId4"/>
+              </a:rPr>
+              <a:t>http://www.stern.de/digital/homeentertainment/samsung-fernseher--</a:t>
+            </a:r>
+            <a:r>
+              <a:rPr lang="de-DE" dirty="0" smtClean="0">
+                <a:hlinkClick r:id="rId4"/>
+              </a:rPr>
+              <a:t>smart-tv-kann-via-dvb-t-gehackt-werden-6190476.html</a:t>
+            </a:r>
+            <a:endParaRPr lang="de-DE" dirty="0" smtClean="0"/>
+          </a:p>
+          <a:p>
+            <a:pPr marL="285750" indent="-285750">
+              <a:buFont typeface="Arial" pitchFamily="34" charset="0"/>
+              <a:buChar char="•"/>
+            </a:pPr>
+            <a:endParaRPr lang="de-DE" dirty="0"/>
+          </a:p>
+          <a:p>
+            <a:pPr marL="285750" indent="-285750">
+              <a:buFont typeface="Arial" pitchFamily="34" charset="0"/>
+              <a:buChar char="•"/>
+            </a:pPr>
+            <a:endParaRPr lang="de-DE" dirty="0" smtClean="0"/>
+          </a:p>
+          <a:p>
+            <a:pPr marL="285750" indent="-285750">
+              <a:buFont typeface="Arial" pitchFamily="34" charset="0"/>
+              <a:buChar char="•"/>
+            </a:pPr>
             <a:endParaRPr lang="de-DE" dirty="0" smtClean="0"/>
           </a:p>
           <a:p>
@@ -4222,11 +4933,7 @@
             </a:pPr>
             <a:r>
               <a:rPr lang="de-DE" dirty="0" smtClean="0"/>
-              <a:t>Was ist das Internet der Dinge</a:t>
-            </a:r>
-            <a:r>
-              <a:rPr lang="de-DE" dirty="0" smtClean="0"/>
-              <a:t>?</a:t>
+              <a:t>Was ist das Internet der Dinge?</a:t>
             </a:r>
           </a:p>
           <a:p>
@@ -4329,61 +5036,232 @@
           <a:bodyPr/>
           <a:lstStyle/>
           <a:p>
-            <a:pPr marL="285750" indent="-285750">
+            <a:r>
+              <a:rPr lang="de-DE" b="1" dirty="0" smtClean="0"/>
+              <a:t>Telemetrie</a:t>
+            </a:r>
+          </a:p>
+          <a:p>
+            <a:pPr marL="641350" lvl="1" indent="-285750">
               <a:buFont typeface="Arial" pitchFamily="34" charset="0"/>
               <a:buChar char="•"/>
             </a:pPr>
             <a:r>
-              <a:rPr lang="de-DE" dirty="0"/>
-              <a:t>Telemetrie</a:t>
-            </a:r>
-            <a:r>
               <a:rPr lang="de-DE" dirty="0" smtClean="0"/>
-              <a:t>/ </a:t>
+              <a:t>Gr. „</a:t>
             </a:r>
             <a:r>
               <a:rPr lang="de-DE" dirty="0" err="1" smtClean="0"/>
+              <a:t>tele</a:t>
+            </a:r>
+            <a:r>
+              <a:rPr lang="de-DE" dirty="0" smtClean="0"/>
+              <a:t>“ = fern und </a:t>
+            </a:r>
+            <a:r>
+              <a:rPr lang="de-DE" dirty="0" err="1" smtClean="0"/>
+              <a:t>gr.</a:t>
+            </a:r>
+            <a:r>
+              <a:rPr lang="de-DE" dirty="0" smtClean="0"/>
+              <a:t> „</a:t>
+            </a:r>
+            <a:r>
+              <a:rPr lang="de-DE" dirty="0" err="1" smtClean="0"/>
+              <a:t>metron</a:t>
+            </a:r>
+            <a:r>
+              <a:rPr lang="de-DE" dirty="0" smtClean="0"/>
+              <a:t>“ = messen </a:t>
+            </a:r>
+            <a:r>
+              <a:rPr lang="de-DE" dirty="0">
+                <a:sym typeface="Wingdings" pitchFamily="2" charset="2"/>
+              </a:rPr>
+              <a:t> </a:t>
+            </a:r>
+            <a:r>
+              <a:rPr lang="de-DE" dirty="0" smtClean="0">
+                <a:sym typeface="Wingdings" pitchFamily="2" charset="2"/>
+              </a:rPr>
+              <a:t>Fernerfassung von Werten</a:t>
+            </a:r>
+          </a:p>
+          <a:p>
+            <a:r>
+              <a:rPr lang="de-DE" b="1" dirty="0" err="1" smtClean="0"/>
               <a:t>Machine-to-Machine</a:t>
             </a:r>
             <a:r>
-              <a:rPr lang="de-DE" dirty="0" smtClean="0"/>
-              <a:t> </a:t>
-            </a:r>
-            <a:r>
-              <a:rPr lang="de-DE" dirty="0"/>
-              <a:t>(M2M</a:t>
-            </a:r>
-            <a:r>
-              <a:rPr lang="de-DE" dirty="0" smtClean="0"/>
+              <a:rPr lang="de-DE" b="1" dirty="0" smtClean="0"/>
+              <a:t> (M2M</a:t>
+            </a:r>
+            <a:r>
+              <a:rPr lang="de-DE" b="1" dirty="0"/>
               <a:t>)</a:t>
             </a:r>
           </a:p>
           <a:p>
-            <a:pPr marL="285750" indent="-285750">
+            <a:pPr marL="641350" lvl="1" indent="-285750">
               <a:buFont typeface="Arial" pitchFamily="34" charset="0"/>
               <a:buChar char="•"/>
             </a:pPr>
             <a:r>
-              <a:rPr lang="de-DE" dirty="0" err="1"/>
-              <a:t>Ubiquitous</a:t>
-            </a:r>
-            <a:r>
-              <a:rPr lang="de-DE" dirty="0"/>
-              <a:t> </a:t>
-            </a:r>
-            <a:r>
-              <a:rPr lang="de-DE" dirty="0" smtClean="0"/>
-              <a:t>Computing</a:t>
-            </a:r>
-          </a:p>
-          <a:p>
-            <a:pPr marL="285750" indent="-285750">
+              <a:rPr lang="de-DE" dirty="0" smtClean="0">
+                <a:sym typeface="Wingdings" pitchFamily="2" charset="2"/>
+              </a:rPr>
+              <a:t>Autonome </a:t>
+            </a:r>
+            <a:r>
+              <a:rPr lang="de-DE" dirty="0">
+                <a:sym typeface="Wingdings" pitchFamily="2" charset="2"/>
+              </a:rPr>
+              <a:t>Kommunikation </a:t>
+            </a:r>
+            <a:r>
+              <a:rPr lang="de-DE" dirty="0" smtClean="0">
+                <a:sym typeface="Wingdings" pitchFamily="2" charset="2"/>
+              </a:rPr>
+              <a:t>zwischen technischen Geräten</a:t>
+            </a:r>
+          </a:p>
+          <a:p>
+            <a:pPr marL="641350" lvl="1" indent="-285750">
               <a:buFont typeface="Arial" pitchFamily="34" charset="0"/>
               <a:buChar char="•"/>
             </a:pPr>
             <a:r>
+              <a:rPr lang="de-DE" dirty="0" smtClean="0">
+                <a:sym typeface="Wingdings" pitchFamily="2" charset="2"/>
+              </a:rPr>
+              <a:t>Seit langem im Einsatz</a:t>
+            </a:r>
+            <a:r>
+              <a:rPr lang="de-DE" dirty="0">
+                <a:sym typeface="Wingdings" pitchFamily="2" charset="2"/>
+              </a:rPr>
+              <a:t>, z.B. Wetterdaten </a:t>
+            </a:r>
+            <a:r>
+              <a:rPr lang="de-DE" dirty="0" smtClean="0">
+                <a:sym typeface="Wingdings" pitchFamily="2" charset="2"/>
+              </a:rPr>
+              <a:t>Überwachen von Fahrzeugen</a:t>
+            </a:r>
+            <a:endParaRPr lang="de-DE" dirty="0" smtClean="0"/>
+          </a:p>
+          <a:p>
+            <a:r>
+              <a:rPr lang="de-DE" b="1" dirty="0" err="1" smtClean="0"/>
+              <a:t>Ubiquitous</a:t>
+            </a:r>
+            <a:r>
+              <a:rPr lang="de-DE" b="1" dirty="0" smtClean="0"/>
+              <a:t> Computing</a:t>
+            </a:r>
+          </a:p>
+          <a:p>
+            <a:pPr marL="641350" lvl="1" indent="-285750">
+              <a:buFont typeface="Arial" pitchFamily="34" charset="0"/>
+              <a:buChar char="•"/>
+            </a:pPr>
+            <a:r>
+              <a:rPr lang="de-DE" dirty="0" smtClean="0"/>
+              <a:t>Ausrüstung von </a:t>
+            </a:r>
+            <a:r>
               <a:rPr lang="de-DE" dirty="0"/>
-              <a:t>Internet der Dinge</a:t>
+              <a:t>Alltagsgegenständen mit </a:t>
+            </a:r>
+            <a:r>
+              <a:rPr lang="de-DE" dirty="0" smtClean="0"/>
+              <a:t>Informationstechnik</a:t>
+            </a:r>
+            <a:endParaRPr lang="de-DE" dirty="0" smtClean="0"/>
+          </a:p>
+          <a:p>
+            <a:r>
+              <a:rPr lang="de-DE" b="1" dirty="0"/>
+              <a:t>Internet der </a:t>
+            </a:r>
+            <a:r>
+              <a:rPr lang="de-DE" b="1" dirty="0" smtClean="0"/>
+              <a:t>Dinge (</a:t>
+            </a:r>
+            <a:r>
+              <a:rPr lang="de-DE" b="1" dirty="0" err="1" smtClean="0"/>
+              <a:t>IoT</a:t>
+            </a:r>
+            <a:r>
+              <a:rPr lang="de-DE" b="1" dirty="0" smtClean="0"/>
+              <a:t>)</a:t>
+            </a:r>
+          </a:p>
+          <a:p>
+            <a:pPr marL="641350" lvl="1" indent="-285750">
+              <a:buFont typeface="Arial" pitchFamily="34" charset="0"/>
+              <a:buChar char="•"/>
+            </a:pPr>
+            <a:r>
+              <a:rPr lang="de-DE" dirty="0" smtClean="0"/>
+              <a:t>Allgegenwärtigkeit </a:t>
+            </a:r>
+            <a:r>
+              <a:rPr lang="de-DE" dirty="0"/>
+              <a:t>von </a:t>
+            </a:r>
+            <a:r>
+              <a:rPr lang="de-DE" dirty="0" err="1" smtClean="0"/>
+              <a:t>kommunikationstechn</a:t>
+            </a:r>
+            <a:r>
+              <a:rPr lang="de-DE" dirty="0" smtClean="0"/>
+              <a:t>. </a:t>
+            </a:r>
+            <a:r>
+              <a:rPr lang="de-DE" dirty="0"/>
+              <a:t>Infrastrukturen</a:t>
+            </a:r>
+          </a:p>
+          <a:p>
+            <a:pPr marL="641350" lvl="1" indent="-285750">
+              <a:buFont typeface="Arial" pitchFamily="34" charset="0"/>
+              <a:buChar char="•"/>
+            </a:pPr>
+            <a:r>
+              <a:rPr lang="de-DE" dirty="0" smtClean="0"/>
+              <a:t>Selbstständige </a:t>
+            </a:r>
+            <a:r>
+              <a:rPr lang="de-DE" dirty="0"/>
+              <a:t>Kommunikationsfähigkeit von (</a:t>
+            </a:r>
+            <a:r>
+              <a:rPr lang="de-DE" dirty="0" smtClean="0"/>
+              <a:t>drahtlos) vernetzten </a:t>
+            </a:r>
+            <a:r>
+              <a:rPr lang="de-DE" dirty="0"/>
+              <a:t>Objekten</a:t>
+            </a:r>
+            <a:endParaRPr lang="de-DE" dirty="0" smtClean="0"/>
+          </a:p>
+          <a:p>
+            <a:pPr marL="641350" lvl="1" indent="-285750">
+              <a:buFont typeface="Arial" pitchFamily="34" charset="0"/>
+              <a:buChar char="•"/>
+            </a:pPr>
+            <a:r>
+              <a:rPr lang="de-DE" dirty="0" smtClean="0"/>
+              <a:t>Verknüpfung </a:t>
+            </a:r>
+            <a:r>
+              <a:rPr lang="de-DE" dirty="0"/>
+              <a:t>der virtuellen mit der </a:t>
+            </a:r>
+            <a:r>
+              <a:rPr lang="de-DE" dirty="0" smtClean="0"/>
+              <a:t>dinglichen Welt</a:t>
             </a:r>
             <a:endParaRPr lang="de-DE" dirty="0" smtClean="0"/>
           </a:p>
@@ -4396,6 +5274,70 @@
           </a:p>
         </p:txBody>
       </p:sp>
+      <p:pic>
+        <p:nvPicPr>
+          <p:cNvPr id="2050" name="Picture 2"/>
+          <p:cNvPicPr>
+            <a:picLocks noChangeAspect="1" noChangeArrowheads="1"/>
+          </p:cNvPicPr>
+          <p:nvPr/>
+        </p:nvPicPr>
+        <p:blipFill>
+          <a:blip r:embed="rId3">
+            <a:extLst>
+              <a:ext uri="{28A0092B-C50C-407E-A947-70E740481C1C}">
+                <a14:useLocalDpi xmlns:a14="http://schemas.microsoft.com/office/drawing/2010/main" val="0"/>
+              </a:ext>
+            </a:extLst>
+          </a:blip>
+          <a:srcRect/>
+          <a:stretch>
+            <a:fillRect/>
+          </a:stretch>
+        </p:blipFill>
+        <p:spPr bwMode="auto">
+          <a:xfrm>
+            <a:off x="107504" y="5589240"/>
+            <a:ext cx="8964488" cy="1025538"/>
+          </a:xfrm>
+          <a:prstGeom prst="rect">
+            <a:avLst/>
+          </a:prstGeom>
+          <a:noFill/>
+          <a:ln>
+            <a:noFill/>
+          </a:ln>
+          <a:effectLst/>
+          <a:extLst>
+            <a:ext uri="{909E8E84-426E-40DD-AFC4-6F175D3DCCD1}">
+              <a14:hiddenFill xmlns:a14="http://schemas.microsoft.com/office/drawing/2010/main">
+                <a:solidFill>
+                  <a:schemeClr val="accent1"/>
+                </a:solidFill>
+              </a14:hiddenFill>
+            </a:ext>
+            <a:ext uri="{91240B29-F687-4F45-9708-019B960494DF}">
+              <a14:hiddenLine xmlns:a14="http://schemas.microsoft.com/office/drawing/2010/main" w="9525">
+                <a:solidFill>
+                  <a:schemeClr val="tx1"/>
+                </a:solidFill>
+                <a:miter lim="800000"/>
+                <a:headEnd/>
+                <a:tailEnd/>
+              </a14:hiddenLine>
+            </a:ext>
+            <a:ext uri="{AF507438-7753-43E0-B8FC-AC1667EBCBE1}">
+              <a14:hiddenEffects xmlns:a14="http://schemas.microsoft.com/office/drawing/2010/main">
+                <a:effectLst>
+                  <a:outerShdw dist="35921" dir="2700000" algn="ctr" rotWithShape="0">
+                    <a:schemeClr val="bg2"/>
+                  </a:outerShdw>
+                </a:effectLst>
+              </a14:hiddenEffects>
+            </a:ext>
+          </a:extLst>
+        </p:spPr>
+      </p:pic>
     </p:spTree>
     <p:extLst>
       <p:ext uri="{BB962C8B-B14F-4D97-AF65-F5344CB8AC3E}">
@@ -4450,36 +5392,297 @@
           <a:lstStyle/>
           <a:p>
             <a:r>
+              <a:rPr lang="de-DE" dirty="0"/>
+              <a:t>Sicherheitsaspekte im </a:t>
+            </a:r>
+            <a:r>
+              <a:rPr lang="de-DE" dirty="0" err="1"/>
+              <a:t>IoT</a:t>
+            </a:r>
+            <a:endParaRPr lang="de-DE" dirty="0"/>
+          </a:p>
+        </p:txBody>
+      </p:sp>
+      <p:pic>
+        <p:nvPicPr>
+          <p:cNvPr id="1026" name="Picture 2"/>
+          <p:cNvPicPr>
+            <a:picLocks noGrp="1" noChangeAspect="1" noChangeArrowheads="1"/>
+          </p:cNvPicPr>
+          <p:nvPr>
+            <p:ph idx="1"/>
+          </p:nvPr>
+        </p:nvPicPr>
+        <p:blipFill>
+          <a:blip r:embed="rId3" cstate="print">
+            <a:extLst>
+              <a:ext uri="{28A0092B-C50C-407E-A947-70E740481C1C}">
+                <a14:useLocalDpi xmlns:a14="http://schemas.microsoft.com/office/drawing/2010/main" val="0"/>
+              </a:ext>
+            </a:extLst>
+          </a:blip>
+          <a:srcRect/>
+          <a:stretch>
+            <a:fillRect/>
+          </a:stretch>
+        </p:blipFill>
+        <p:spPr bwMode="auto">
+          <a:xfrm>
+            <a:off x="395536" y="1412776"/>
+            <a:ext cx="3472268" cy="2169790"/>
+          </a:xfrm>
+          <a:prstGeom prst="ellipse">
+            <a:avLst/>
+          </a:prstGeom>
+          <a:ln>
+            <a:noFill/>
+          </a:ln>
+          <a:effectLst>
+            <a:softEdge rad="112500"/>
+          </a:effectLst>
+          <a:extLst>
+            <a:ext uri="{909E8E84-426E-40DD-AFC4-6F175D3DCCD1}">
+              <a14:hiddenFill xmlns:a14="http://schemas.microsoft.com/office/drawing/2010/main">
+                <a:solidFill>
+                  <a:schemeClr val="accent1"/>
+                </a:solidFill>
+              </a14:hiddenFill>
+            </a:ext>
+            <a:ext uri="{91240B29-F687-4F45-9708-019B960494DF}">
+              <a14:hiddenLine xmlns:a14="http://schemas.microsoft.com/office/drawing/2010/main" w="9525">
+                <a:solidFill>
+                  <a:schemeClr val="tx1"/>
+                </a:solidFill>
+                <a:miter lim="800000"/>
+                <a:headEnd/>
+                <a:tailEnd/>
+              </a14:hiddenLine>
+            </a:ext>
+            <a:ext uri="{AF507438-7753-43E0-B8FC-AC1667EBCBE1}">
+              <a14:hiddenEffects xmlns:a14="http://schemas.microsoft.com/office/drawing/2010/main">
+                <a:effectLst>
+                  <a:outerShdw dist="35921" dir="2700000" algn="ctr" rotWithShape="0">
+                    <a:schemeClr val="bg2"/>
+                  </a:outerShdw>
+                </a:effectLst>
+              </a14:hiddenEffects>
+            </a:ext>
+          </a:extLst>
+        </p:spPr>
+      </p:pic>
+      <p:sp>
+        <p:nvSpPr>
+          <p:cNvPr id="5" name="Rechteck 4"/>
+          <p:cNvSpPr/>
+          <p:nvPr/>
+        </p:nvSpPr>
+        <p:spPr>
+          <a:xfrm>
+            <a:off x="395536" y="3645024"/>
+            <a:ext cx="3950762" cy="923330"/>
+          </a:xfrm>
+          <a:prstGeom prst="rect">
+            <a:avLst/>
+          </a:prstGeom>
+        </p:spPr>
+        <p:txBody>
+          <a:bodyPr wrap="none">
+            <a:spAutoFit/>
+          </a:bodyPr>
+          <a:lstStyle/>
+          <a:p>
+            <a:r>
+              <a:rPr lang="de-DE" b="1" dirty="0" smtClean="0"/>
+              <a:t>Heizungsanlage</a:t>
+            </a:r>
+          </a:p>
+          <a:p>
+            <a:r>
+              <a:rPr lang="de-DE" dirty="0"/>
+              <a:t>Webinterface </a:t>
+            </a:r>
+            <a:r>
               <a:rPr lang="de-DE" dirty="0" smtClean="0"/>
-              <a:t>Beispiele für Angriffe</a:t>
-            </a:r>
-            <a:endParaRPr lang="de-DE" dirty="0"/>
-          </a:p>
-        </p:txBody>
-      </p:sp>
-      <p:sp>
-        <p:nvSpPr>
-          <p:cNvPr id="3" name="Inhaltsplatzhalter 2"/>
-          <p:cNvSpPr>
-            <a:spLocks noGrp="1"/>
-          </p:cNvSpPr>
-          <p:nvPr>
-            <p:ph idx="1"/>
-          </p:nvPr>
-        </p:nvSpPr>
-        <p:spPr/>
-        <p:txBody>
-          <a:bodyPr/>
+              <a:t>mit Sicherheitsproblem</a:t>
+            </a:r>
+          </a:p>
+          <a:p>
+            <a:r>
+              <a:rPr lang="de-DE" dirty="0" smtClean="0"/>
+              <a:t>Auslesen der Passwörter</a:t>
+            </a:r>
+          </a:p>
+        </p:txBody>
+      </p:sp>
+      <p:sp>
+        <p:nvSpPr>
+          <p:cNvPr id="7" name="Rechteck 6"/>
+          <p:cNvSpPr/>
+          <p:nvPr/>
+        </p:nvSpPr>
+        <p:spPr>
+          <a:xfrm>
+            <a:off x="5004048" y="1785590"/>
+            <a:ext cx="3630225" cy="923330"/>
+          </a:xfrm>
+          <a:prstGeom prst="rect">
+            <a:avLst/>
+          </a:prstGeom>
+        </p:spPr>
+        <p:txBody>
+          <a:bodyPr wrap="none">
+            <a:spAutoFit/>
+          </a:bodyPr>
           <a:lstStyle/>
           <a:p>
-            <a:pPr marL="285750" indent="-285750">
-              <a:buFont typeface="Arial" pitchFamily="34" charset="0"/>
-              <a:buChar char="•"/>
-            </a:pPr>
-            <a:endParaRPr lang="de-DE" dirty="0"/>
-          </a:p>
-        </p:txBody>
-      </p:sp>
+            <a:r>
+              <a:rPr lang="de-DE" b="1" dirty="0" smtClean="0"/>
+              <a:t>Smart TV</a:t>
+            </a:r>
+          </a:p>
+          <a:p>
+            <a:r>
+              <a:rPr lang="de-DE" dirty="0" smtClean="0"/>
+              <a:t>Ausspähen von Bild und Ton über</a:t>
+            </a:r>
+          </a:p>
+          <a:p>
+            <a:r>
+              <a:rPr lang="de-DE" dirty="0" smtClean="0"/>
+              <a:t>integrierte Kamera/ Mikrofon</a:t>
+            </a:r>
+          </a:p>
+        </p:txBody>
+      </p:sp>
+      <p:pic>
+        <p:nvPicPr>
+          <p:cNvPr id="1027" name="Picture 3"/>
+          <p:cNvPicPr>
+            <a:picLocks noChangeAspect="1" noChangeArrowheads="1"/>
+          </p:cNvPicPr>
+          <p:nvPr/>
+        </p:nvPicPr>
+        <p:blipFill>
+          <a:blip r:embed="rId4">
+            <a:extLst>
+              <a:ext uri="{28A0092B-C50C-407E-A947-70E740481C1C}">
+                <a14:useLocalDpi xmlns:a14="http://schemas.microsoft.com/office/drawing/2010/main" val="0"/>
+              </a:ext>
+            </a:extLst>
+          </a:blip>
+          <a:srcRect/>
+          <a:stretch>
+            <a:fillRect/>
+          </a:stretch>
+        </p:blipFill>
+        <p:spPr bwMode="auto">
+          <a:xfrm>
+            <a:off x="4427984" y="2708920"/>
+            <a:ext cx="3675198" cy="2448156"/>
+          </a:xfrm>
+          <a:prstGeom prst="ellipse">
+            <a:avLst/>
+          </a:prstGeom>
+          <a:ln>
+            <a:noFill/>
+          </a:ln>
+          <a:effectLst>
+            <a:softEdge rad="112500"/>
+          </a:effectLst>
+          <a:extLst>
+            <a:ext uri="{909E8E84-426E-40DD-AFC4-6F175D3DCCD1}">
+              <a14:hiddenFill xmlns:a14="http://schemas.microsoft.com/office/drawing/2010/main">
+                <a:solidFill>
+                  <a:schemeClr val="accent1"/>
+                </a:solidFill>
+              </a14:hiddenFill>
+            </a:ext>
+            <a:ext uri="{91240B29-F687-4F45-9708-019B960494DF}">
+              <a14:hiddenLine xmlns:a14="http://schemas.microsoft.com/office/drawing/2010/main" w="9525">
+                <a:solidFill>
+                  <a:schemeClr val="tx1"/>
+                </a:solidFill>
+                <a:miter lim="800000"/>
+                <a:headEnd/>
+                <a:tailEnd/>
+              </a14:hiddenLine>
+            </a:ext>
+            <a:ext uri="{AF507438-7753-43E0-B8FC-AC1667EBCBE1}">
+              <a14:hiddenEffects xmlns:a14="http://schemas.microsoft.com/office/drawing/2010/main">
+                <a:effectLst>
+                  <a:outerShdw dist="35921" dir="2700000" algn="ctr" rotWithShape="0">
+                    <a:schemeClr val="bg2"/>
+                  </a:outerShdw>
+                </a:effectLst>
+              </a14:hiddenEffects>
+            </a:ext>
+          </a:extLst>
+        </p:spPr>
+      </p:pic>
+      <p:pic>
+        <p:nvPicPr>
+          <p:cNvPr id="1029" name="Picture 5"/>
+          <p:cNvPicPr>
+            <a:picLocks noChangeAspect="1" noChangeArrowheads="1"/>
+          </p:cNvPicPr>
+          <p:nvPr/>
+        </p:nvPicPr>
+        <p:blipFill>
+          <a:blip r:embed="rId5">
+            <a:extLst>
+              <a:ext uri="{28A0092B-C50C-407E-A947-70E740481C1C}">
+                <a14:useLocalDpi xmlns:a14="http://schemas.microsoft.com/office/drawing/2010/main" val="0"/>
+              </a:ext>
+            </a:extLst>
+          </a:blip>
+          <a:srcRect/>
+          <a:stretch>
+            <a:fillRect/>
+          </a:stretch>
+        </p:blipFill>
+        <p:spPr bwMode="auto">
+          <a:xfrm>
+            <a:off x="107504" y="5301208"/>
+            <a:ext cx="8968390" cy="1372538"/>
+          </a:xfrm>
+          <a:prstGeom prst="rect">
+            <a:avLst/>
+          </a:prstGeom>
+          <a:noFill/>
+          <a:ln>
+            <a:noFill/>
+          </a:ln>
+          <a:effectLst/>
+          <a:extLst>
+            <a:ext uri="{909E8E84-426E-40DD-AFC4-6F175D3DCCD1}">
+              <a14:hiddenFill xmlns:a14="http://schemas.microsoft.com/office/drawing/2010/main">
+                <a:solidFill>
+                  <a:schemeClr val="accent1"/>
+                </a:solidFill>
+              </a14:hiddenFill>
+            </a:ext>
+            <a:ext uri="{91240B29-F687-4F45-9708-019B960494DF}">
+              <a14:hiddenLine xmlns:a14="http://schemas.microsoft.com/office/drawing/2010/main" w="9525">
+                <a:solidFill>
+                  <a:schemeClr val="tx1"/>
+                </a:solidFill>
+                <a:miter lim="800000"/>
+                <a:headEnd/>
+                <a:tailEnd/>
+              </a14:hiddenLine>
+            </a:ext>
+            <a:ext uri="{AF507438-7753-43E0-B8FC-AC1667EBCBE1}">
+              <a14:hiddenEffects xmlns:a14="http://schemas.microsoft.com/office/drawing/2010/main">
+                <a:effectLst>
+                  <a:outerShdw dist="35921" dir="2700000" algn="ctr" rotWithShape="0">
+                    <a:schemeClr val="bg2"/>
+                  </a:outerShdw>
+                </a:effectLst>
+              </a14:hiddenEffects>
+            </a:ext>
+          </a:extLst>
+        </p:spPr>
+      </p:pic>
     </p:spTree>
     <p:extLst>
       <p:ext uri="{BB962C8B-B14F-4D97-AF65-F5344CB8AC3E}">
@@ -4534,12 +5737,16 @@
           <a:lstStyle/>
           <a:p>
             <a:r>
+              <a:rPr lang="de-DE" dirty="0" smtClean="0"/>
+              <a:t>1) Unsichere </a:t>
+            </a:r>
+            <a:r>
               <a:rPr lang="de-DE" dirty="0"/>
-              <a:t>Sicherheitsaspekte im </a:t>
-            </a:r>
-            <a:r>
-              <a:rPr lang="de-DE" dirty="0" err="1"/>
-              <a:t>IoT</a:t>
+              <a:t>Web </a:t>
+            </a:r>
+            <a:r>
+              <a:rPr lang="de-DE" dirty="0" smtClean="0"/>
+              <a:t>Interfaces</a:t>
             </a:r>
             <a:endParaRPr lang="de-DE" dirty="0"/>
           </a:p>
@@ -4571,7 +5778,7 @@
     </p:spTree>
     <p:extLst>
       <p:ext uri="{BB962C8B-B14F-4D97-AF65-F5344CB8AC3E}">
-        <p14:creationId xmlns:p14="http://schemas.microsoft.com/office/powerpoint/2010/main" val="301089030"/>
+        <p14:creationId xmlns:p14="http://schemas.microsoft.com/office/powerpoint/2010/main" val="2529728441"/>
       </p:ext>
     </p:extLst>
   </p:cSld>
@@ -4623,15 +5830,11 @@
           <a:p>
             <a:r>
               <a:rPr lang="de-DE" dirty="0" smtClean="0"/>
-              <a:t>1) Unsichere </a:t>
-            </a:r>
-            <a:r>
-              <a:rPr lang="de-DE" dirty="0"/>
-              <a:t>Web </a:t>
-            </a:r>
-            <a:r>
-              <a:rPr lang="de-DE" dirty="0" smtClean="0"/>
-              <a:t>Interfaces</a:t>
+              <a:t>2) Unzureichende Authentifikation/</a:t>
+            </a:r>
+            <a:r>
+              <a:rPr lang="de-DE" dirty="0" err="1" smtClean="0"/>
+              <a:t>Authorisierung</a:t>
             </a:r>
             <a:endParaRPr lang="de-DE" dirty="0"/>
           </a:p>
@@ -4715,13 +5918,12 @@
           <a:p>
             <a:r>
               <a:rPr lang="de-DE" dirty="0" smtClean="0"/>
-              <a:t>2) Unzureichende Authentifikation/</a:t>
-            </a:r>
-            <a:r>
-              <a:rPr lang="de-DE" dirty="0" err="1" smtClean="0"/>
-              <a:t>Authorisierung</a:t>
-            </a:r>
-            <a:endParaRPr lang="de-DE" dirty="0"/>
+              <a:t>3) Unsichere Netzwerk </a:t>
+            </a:r>
+            <a:r>
+              <a:rPr lang="de-DE" dirty="0"/>
+              <a:t>Services</a:t>
+            </a:r>
           </a:p>
         </p:txBody>
       </p:sp>
@@ -4803,12 +6005,9 @@
           <a:p>
             <a:r>
               <a:rPr lang="de-DE" dirty="0" smtClean="0"/>
-              <a:t>3) Unsichere Netzwerk </a:t>
-            </a:r>
-            <a:r>
-              <a:rPr lang="de-DE" dirty="0"/>
-              <a:t>Services</a:t>
-            </a:r>
+              <a:t>4) Mangelnde Transportverschlüsselung </a:t>
+            </a:r>
+            <a:endParaRPr lang="de-DE" dirty="0"/>
           </a:p>
         </p:txBody>
       </p:sp>
@@ -4890,7 +6089,7 @@
           <a:p>
             <a:r>
               <a:rPr lang="de-DE" dirty="0" smtClean="0"/>
-              <a:t>4) Mangelnde Transportverschlüsselung </a:t>
+              <a:t>5) Datenschutz/ Privatsphäre </a:t>
             </a:r>
             <a:endParaRPr lang="de-DE" dirty="0"/>
           </a:p>
@@ -5412,4 +6611,289 @@
     </a:extraClrScheme>
   </a:extraClrSchemeLst>
 </a:theme>
+</file>
+
+<file path=ppt/theme/theme2.xml><?xml version="1.0" encoding="utf-8"?>
+<a:theme xmlns:a="http://schemas.openxmlformats.org/drawingml/2006/main" name="Larissa">
+  <a:themeElements>
+    <a:clrScheme name="Larissa">
+      <a:dk1>
+        <a:sysClr val="windowText" lastClr="000000"/>
+      </a:dk1>
+      <a:lt1>
+        <a:sysClr val="window" lastClr="FFFFFF"/>
+      </a:lt1>
+      <a:dk2>
+        <a:srgbClr val="1F497D"/>
+      </a:dk2>
+      <a:lt2>
+        <a:srgbClr val="EEECE1"/>
+      </a:lt2>
+      <a:accent1>
+        <a:srgbClr val="4F81BD"/>
+      </a:accent1>
+      <a:accent2>
+        <a:srgbClr val="C0504D"/>
+      </a:accent2>
+      <a:accent3>
+        <a:srgbClr val="9BBB59"/>
+      </a:accent3>
+      <a:accent4>
+        <a:srgbClr val="8064A2"/>
+      </a:accent4>
+      <a:accent5>
+        <a:srgbClr val="4BACC6"/>
+      </a:accent5>
+      <a:accent6>
+        <a:srgbClr val="F79646"/>
+      </a:accent6>
+      <a:hlink>
+        <a:srgbClr val="0000FF"/>
+      </a:hlink>
+      <a:folHlink>
+        <a:srgbClr val="800080"/>
+      </a:folHlink>
+    </a:clrScheme>
+    <a:fontScheme name="Larissa">
+      <a:majorFont>
+        <a:latin typeface="Calibri"/>
+        <a:ea typeface=""/>
+        <a:cs typeface=""/>
+        <a:font script="Jpan" typeface="ＭＳ Ｐゴシック"/>
+        <a:font script="Hang" typeface="맑은 고딕"/>
+        <a:font script="Hans" typeface="宋体"/>
+        <a:font script="Hant" typeface="新細明體"/>
+        <a:font script="Arab" typeface="Times New Roman"/>
+        <a:font script="Hebr" typeface="Times New Roman"/>
+        <a:font script="Thai" typeface="Angsana New"/>
+        <a:font script="Ethi" typeface="Nyala"/>
+        <a:font script="Beng" typeface="Vrinda"/>
+        <a:font script="Gujr" typeface="Shruti"/>
+        <a:font script="Khmr" typeface="MoolBoran"/>
+        <a:font script="Knda" typeface="Tunga"/>
+        <a:font script="Guru" typeface="Raavi"/>
+        <a:font script="Cans" typeface="Euphemia"/>
+        <a:font script="Cher" typeface="Plantagenet Cherokee"/>
+        <a:font script="Yiii" typeface="Microsoft Yi Baiti"/>
+        <a:font script="Tibt" typeface="Microsoft Himalaya"/>
+        <a:font script="Thaa" typeface="MV Boli"/>
+        <a:font script="Deva" typeface="Mangal"/>
+        <a:font script="Telu" typeface="Gautami"/>
+        <a:font script="Taml" typeface="Latha"/>
+        <a:font script="Syrc" typeface="Estrangelo Edessa"/>
+        <a:font script="Orya" typeface="Kalinga"/>
+        <a:font script="Mlym" typeface="Kartika"/>
+        <a:font script="Laoo" typeface="DokChampa"/>
+        <a:font script="Sinh" typeface="Iskoola Pota"/>
+        <a:font script="Mong" typeface="Mongolian Baiti"/>
+        <a:font script="Viet" typeface="Times New Roman"/>
+        <a:font script="Uigh" typeface="Microsoft Uighur"/>
+        <a:font script="Geor" typeface="Sylfaen"/>
+      </a:majorFont>
+      <a:minorFont>
+        <a:latin typeface="Calibri"/>
+        <a:ea typeface=""/>
+        <a:cs typeface=""/>
+        <a:font script="Jpan" typeface="ＭＳ Ｐゴシック"/>
+        <a:font script="Hang" typeface="맑은 고딕"/>
+        <a:font script="Hans" typeface="宋体"/>
+        <a:font script="Hant" typeface="新細明體"/>
+        <a:font script="Arab" typeface="Arial"/>
+        <a:font script="Hebr" typeface="Arial"/>
+        <a:font script="Thai" typeface="Cordia New"/>
+        <a:font script="Ethi" typeface="Nyala"/>
+        <a:font script="Beng" typeface="Vrinda"/>
+        <a:font script="Gujr" typeface="Shruti"/>
+        <a:font script="Khmr" typeface="DaunPenh"/>
+        <a:font script="Knda" typeface="Tunga"/>
+        <a:font script="Guru" typeface="Raavi"/>
+        <a:font script="Cans" typeface="Euphemia"/>
+        <a:font script="Cher" typeface="Plantagenet Cherokee"/>
+        <a:font script="Yiii" typeface="Microsoft Yi Baiti"/>
+        <a:font script="Tibt" typeface="Microsoft Himalaya"/>
+        <a:font script="Thaa" typeface="MV Boli"/>
+        <a:font script="Deva" typeface="Mangal"/>
+        <a:font script="Telu" typeface="Gautami"/>
+        <a:font script="Taml" typeface="Latha"/>
+        <a:font script="Syrc" typeface="Estrangelo Edessa"/>
+        <a:font script="Orya" typeface="Kalinga"/>
+        <a:font script="Mlym" typeface="Kartika"/>
+        <a:font script="Laoo" typeface="DokChampa"/>
+        <a:font script="Sinh" typeface="Iskoola Pota"/>
+        <a:font script="Mong" typeface="Mongolian Baiti"/>
+        <a:font script="Viet" typeface="Arial"/>
+        <a:font script="Uigh" typeface="Microsoft Uighur"/>
+        <a:font script="Geor" typeface="Sylfaen"/>
+      </a:minorFont>
+    </a:fontScheme>
+    <a:fmtScheme name="Larissa">
+      <a:fillStyleLst>
+        <a:solidFill>
+          <a:schemeClr val="phClr"/>
+        </a:solidFill>
+        <a:gradFill rotWithShape="1">
+          <a:gsLst>
+            <a:gs pos="0">
+              <a:schemeClr val="phClr">
+                <a:tint val="50000"/>
+                <a:satMod val="300000"/>
+              </a:schemeClr>
+            </a:gs>
+            <a:gs pos="35000">
+              <a:schemeClr val="phClr">
+                <a:tint val="37000"/>
+                <a:satMod val="300000"/>
+              </a:schemeClr>
+            </a:gs>
+            <a:gs pos="100000">
+              <a:schemeClr val="phClr">
+                <a:tint val="15000"/>
+                <a:satMod val="350000"/>
+              </a:schemeClr>
+            </a:gs>
+          </a:gsLst>
+          <a:lin ang="16200000" scaled="1"/>
+        </a:gradFill>
+        <a:gradFill rotWithShape="1">
+          <a:gsLst>
+            <a:gs pos="0">
+              <a:schemeClr val="phClr">
+                <a:shade val="51000"/>
+                <a:satMod val="130000"/>
+              </a:schemeClr>
+            </a:gs>
+            <a:gs pos="80000">
+              <a:schemeClr val="phClr">
+                <a:shade val="93000"/>
+                <a:satMod val="130000"/>
+              </a:schemeClr>
+            </a:gs>
+            <a:gs pos="100000">
+              <a:schemeClr val="phClr">
+                <a:shade val="94000"/>
+                <a:satMod val="135000"/>
+              </a:schemeClr>
+            </a:gs>
+          </a:gsLst>
+          <a:lin ang="16200000" scaled="0"/>
+        </a:gradFill>
+      </a:fillStyleLst>
+      <a:lnStyleLst>
+        <a:ln w="9525" cap="flat" cmpd="sng" algn="ctr">
+          <a:solidFill>
+            <a:schemeClr val="phClr">
+              <a:shade val="95000"/>
+              <a:satMod val="105000"/>
+            </a:schemeClr>
+          </a:solidFill>
+          <a:prstDash val="solid"/>
+        </a:ln>
+        <a:ln w="25400" cap="flat" cmpd="sng" algn="ctr">
+          <a:solidFill>
+            <a:schemeClr val="phClr"/>
+          </a:solidFill>
+          <a:prstDash val="solid"/>
+        </a:ln>
+        <a:ln w="38100" cap="flat" cmpd="sng" algn="ctr">
+          <a:solidFill>
+            <a:schemeClr val="phClr"/>
+          </a:solidFill>
+          <a:prstDash val="solid"/>
+        </a:ln>
+      </a:lnStyleLst>
+      <a:effectStyleLst>
+        <a:effectStyle>
+          <a:effectLst>
+            <a:outerShdw blurRad="40000" dist="20000" dir="5400000" rotWithShape="0">
+              <a:srgbClr val="000000">
+                <a:alpha val="38000"/>
+              </a:srgbClr>
+            </a:outerShdw>
+          </a:effectLst>
+        </a:effectStyle>
+        <a:effectStyle>
+          <a:effectLst>
+            <a:outerShdw blurRad="40000" dist="23000" dir="5400000" rotWithShape="0">
+              <a:srgbClr val="000000">
+                <a:alpha val="35000"/>
+              </a:srgbClr>
+            </a:outerShdw>
+          </a:effectLst>
+        </a:effectStyle>
+        <a:effectStyle>
+          <a:effectLst>
+            <a:outerShdw blurRad="40000" dist="23000" dir="5400000" rotWithShape="0">
+              <a:srgbClr val="000000">
+                <a:alpha val="35000"/>
+              </a:srgbClr>
+            </a:outerShdw>
+          </a:effectLst>
+          <a:scene3d>
+            <a:camera prst="orthographicFront">
+              <a:rot lat="0" lon="0" rev="0"/>
+            </a:camera>
+            <a:lightRig rig="threePt" dir="t">
+              <a:rot lat="0" lon="0" rev="1200000"/>
+            </a:lightRig>
+          </a:scene3d>
+          <a:sp3d>
+            <a:bevelT w="63500" h="25400"/>
+          </a:sp3d>
+        </a:effectStyle>
+      </a:effectStyleLst>
+      <a:bgFillStyleLst>
+        <a:solidFill>
+          <a:schemeClr val="phClr"/>
+        </a:solidFill>
+        <a:gradFill rotWithShape="1">
+          <a:gsLst>
+            <a:gs pos="0">
+              <a:schemeClr val="phClr">
+                <a:tint val="40000"/>
+                <a:satMod val="350000"/>
+              </a:schemeClr>
+            </a:gs>
+            <a:gs pos="40000">
+              <a:schemeClr val="phClr">
+                <a:tint val="45000"/>
+                <a:shade val="99000"/>
+                <a:satMod val="350000"/>
+              </a:schemeClr>
+            </a:gs>
+            <a:gs pos="100000">
+              <a:schemeClr val="phClr">
+                <a:shade val="20000"/>
+                <a:satMod val="255000"/>
+              </a:schemeClr>
+            </a:gs>
+          </a:gsLst>
+          <a:path path="circle">
+            <a:fillToRect l="50000" t="-80000" r="50000" b="180000"/>
+          </a:path>
+        </a:gradFill>
+        <a:gradFill rotWithShape="1">
+          <a:gsLst>
+            <a:gs pos="0">
+              <a:schemeClr val="phClr">
+                <a:tint val="80000"/>
+                <a:satMod val="300000"/>
+              </a:schemeClr>
+            </a:gs>
+            <a:gs pos="100000">
+              <a:schemeClr val="phClr">
+                <a:shade val="30000"/>
+                <a:satMod val="200000"/>
+              </a:schemeClr>
+            </a:gs>
+          </a:gsLst>
+          <a:path path="circle">
+            <a:fillToRect l="50000" t="50000" r="50000" b="50000"/>
+          </a:path>
+        </a:gradFill>
+      </a:bgFillStyleLst>
+    </a:fmtScheme>
+  </a:themeElements>
+  <a:objectDefaults/>
+  <a:extraClrSchemeLst/>
+</a:theme>
 </file>